--- a/ELF-structure.pptx
+++ b/ELF-structure.pptx
@@ -5,7 +5,7 @@
     <p:sldMasterId id="2147483651" r:id="rId1"/>
   </p:sldMasterIdLst>
   <p:notesMasterIdLst>
-    <p:notesMasterId r:id="rId18"/>
+    <p:notesMasterId r:id="rId19"/>
   </p:notesMasterIdLst>
   <p:sldIdLst>
     <p:sldId id="256" r:id="rId2"/>
@@ -23,7 +23,8 @@
     <p:sldId id="466" r:id="rId14"/>
     <p:sldId id="465" r:id="rId15"/>
     <p:sldId id="467" r:id="rId16"/>
-    <p:sldId id="294" r:id="rId17"/>
+    <p:sldId id="468" r:id="rId17"/>
+    <p:sldId id="294" r:id="rId18"/>
   </p:sldIdLst>
   <p:sldSz cx="9144000" cy="6858000" type="screen4x3"/>
   <p:notesSz cx="6858000" cy="9144000"/>
@@ -227,7 +228,7 @@
           <a:p>
             <a:fld id="{93C195F1-93AA-410C-A22F-063E2D03C48E}" type="datetimeFigureOut">
               <a:rPr lang="zh-CN" altLang="en-US" smtClean="0"/>
-              <a:t>2019/11/12</a:t>
+              <a:t>2019/11/13</a:t>
             </a:fld>
             <a:endParaRPr lang="zh-CN" altLang="en-US"/>
           </a:p>
@@ -1231,7 +1232,7 @@
           <a:p>
             <a:fld id="{C764DE79-268F-4C1A-8933-263129D2AF90}" type="datetimeFigureOut">
               <a:rPr lang="en-US" dirty="0"/>
-              <a:t>11/12/2019</a:t>
+              <a:t>11/13/2019</a:t>
             </a:fld>
             <a:endParaRPr lang="en-US" dirty="0"/>
           </a:p>
@@ -1411,7 +1412,7 @@
           <a:p>
             <a:fld id="{C764DE79-268F-4C1A-8933-263129D2AF90}" type="datetimeFigureOut">
               <a:rPr lang="en-US" dirty="0"/>
-              <a:t>11/12/2019</a:t>
+              <a:t>11/13/2019</a:t>
             </a:fld>
             <a:endParaRPr lang="en-US" dirty="0"/>
           </a:p>
@@ -2556,7 +2557,7 @@
           <a:p>
             <a:fld id="{C764DE79-268F-4C1A-8933-263129D2AF90}" type="datetimeFigureOut">
               <a:rPr lang="en-US" dirty="0"/>
-              <a:t>11/12/2019</a:t>
+              <a:t>11/13/2019</a:t>
             </a:fld>
             <a:endParaRPr lang="en-US" dirty="0"/>
           </a:p>
@@ -2788,7 +2789,7 @@
           <a:p>
             <a:fld id="{C764DE79-268F-4C1A-8933-263129D2AF90}" type="datetimeFigureOut">
               <a:rPr lang="en-US" dirty="0"/>
-              <a:t>11/12/2019</a:t>
+              <a:t>11/13/2019</a:t>
             </a:fld>
             <a:endParaRPr lang="en-US" dirty="0"/>
           </a:p>
@@ -3155,7 +3156,7 @@
           <a:p>
             <a:fld id="{C764DE79-268F-4C1A-8933-263129D2AF90}" type="datetimeFigureOut">
               <a:rPr lang="en-US" dirty="0"/>
-              <a:t>11/12/2019</a:t>
+              <a:t>11/13/2019</a:t>
             </a:fld>
             <a:endParaRPr lang="en-US" dirty="0"/>
           </a:p>
@@ -3273,7 +3274,7 @@
           <a:p>
             <a:fld id="{C764DE79-268F-4C1A-8933-263129D2AF90}" type="datetimeFigureOut">
               <a:rPr lang="en-US" dirty="0"/>
-              <a:t>11/12/2019</a:t>
+              <a:t>11/13/2019</a:t>
             </a:fld>
             <a:endParaRPr lang="en-US" dirty="0"/>
           </a:p>
@@ -3368,7 +3369,7 @@
           <a:p>
             <a:fld id="{C764DE79-268F-4C1A-8933-263129D2AF90}" type="datetimeFigureOut">
               <a:rPr lang="en-US" dirty="0"/>
-              <a:t>11/12/2019</a:t>
+              <a:t>11/13/2019</a:t>
             </a:fld>
             <a:endParaRPr lang="en-US" dirty="0"/>
           </a:p>
@@ -3645,7 +3646,7 @@
           <a:p>
             <a:fld id="{C764DE79-268F-4C1A-8933-263129D2AF90}" type="datetimeFigureOut">
               <a:rPr lang="en-US" dirty="0"/>
-              <a:t>11/12/2019</a:t>
+              <a:t>11/13/2019</a:t>
             </a:fld>
             <a:endParaRPr lang="en-US" dirty="0"/>
           </a:p>
@@ -3902,7 +3903,7 @@
           <a:p>
             <a:fld id="{C764DE79-268F-4C1A-8933-263129D2AF90}" type="datetimeFigureOut">
               <a:rPr lang="en-US" dirty="0"/>
-              <a:t>11/12/2019</a:t>
+              <a:t>11/13/2019</a:t>
             </a:fld>
             <a:endParaRPr lang="en-US" dirty="0"/>
           </a:p>
@@ -4115,7 +4116,7 @@
           <a:p>
             <a:fld id="{C764DE79-268F-4C1A-8933-263129D2AF90}" type="datetimeFigureOut">
               <a:rPr lang="en-US" dirty="0"/>
-              <a:t>11/12/2019</a:t>
+              <a:t>11/13/2019</a:t>
             </a:fld>
             <a:endParaRPr lang="en-US" dirty="0"/>
           </a:p>
@@ -17566,6 +17567,320 @@
 </file>
 
 <file path=ppt/slides/slide16.xml><?xml version="1.0" encoding="utf-8"?>
+<p:sld xmlns:a="http://schemas.openxmlformats.org/drawingml/2006/main" xmlns:r="http://schemas.openxmlformats.org/officeDocument/2006/relationships" xmlns:p="http://schemas.openxmlformats.org/presentationml/2006/main">
+  <p:cSld>
+    <p:spTree>
+      <p:nvGrpSpPr>
+        <p:cNvPr id="1" name=""/>
+        <p:cNvGrpSpPr/>
+        <p:nvPr/>
+      </p:nvGrpSpPr>
+      <p:grpSpPr>
+        <a:xfrm>
+          <a:off x="0" y="0"/>
+          <a:ext cx="0" cy="0"/>
+          <a:chOff x="0" y="0"/>
+          <a:chExt cx="0" cy="0"/>
+        </a:xfrm>
+      </p:grpSpPr>
+      <p:sp>
+        <p:nvSpPr>
+          <p:cNvPr id="2" name="标题 1"/>
+          <p:cNvSpPr>
+            <a:spLocks noGrp="1"/>
+          </p:cNvSpPr>
+          <p:nvPr>
+            <p:ph type="title"/>
+          </p:nvPr>
+        </p:nvSpPr>
+        <p:spPr/>
+        <p:txBody>
+          <a:bodyPr/>
+          <a:lstStyle/>
+          <a:p>
+            <a:r>
+              <a:rPr lang="zh-CN" altLang="en-US" dirty="0" smtClean="0"/>
+              <a:t>番外</a:t>
+            </a:r>
+            <a:endParaRPr lang="zh-CN" altLang="en-US" dirty="0"/>
+          </a:p>
+        </p:txBody>
+      </p:sp>
+      <p:sp>
+        <p:nvSpPr>
+          <p:cNvPr id="3" name="内容占位符 2"/>
+          <p:cNvSpPr>
+            <a:spLocks noGrp="1"/>
+          </p:cNvSpPr>
+          <p:nvPr>
+            <p:ph idx="1"/>
+          </p:nvPr>
+        </p:nvSpPr>
+        <p:spPr/>
+        <p:txBody>
+          <a:bodyPr>
+            <a:normAutofit fontScale="92500" lnSpcReduction="10000"/>
+          </a:bodyPr>
+          <a:lstStyle/>
+          <a:p>
+            <a:r>
+              <a:rPr lang="zh-CN" altLang="en-US" dirty="0"/>
+              <a:t>在</a:t>
+            </a:r>
+            <a:r>
+              <a:rPr lang="en-US" altLang="zh-CN" dirty="0"/>
+              <a:t>NEMU</a:t>
+            </a:r>
+            <a:r>
+              <a:rPr lang="zh-CN" altLang="en-US" dirty="0"/>
+              <a:t>上运行</a:t>
+            </a:r>
+            <a:r>
+              <a:rPr lang="en-US" altLang="zh-CN" dirty="0" err="1" smtClean="0"/>
+              <a:t>linux</a:t>
+            </a:r>
+            <a:endParaRPr lang="en-US" altLang="zh-CN" dirty="0" smtClean="0"/>
+          </a:p>
+          <a:p>
+            <a:pPr lvl="1"/>
+            <a:r>
+              <a:rPr lang="zh-CN" altLang="en-US" dirty="0" smtClean="0"/>
+              <a:t>目前已经移植好的架构</a:t>
+            </a:r>
+            <a:endParaRPr lang="en-US" altLang="zh-CN" dirty="0" smtClean="0"/>
+          </a:p>
+          <a:p>
+            <a:pPr lvl="2"/>
+            <a:r>
+              <a:rPr lang="en-US" altLang="zh-CN" dirty="0" smtClean="0"/>
+              <a:t>MIPS32 release 1</a:t>
+            </a:r>
+          </a:p>
+          <a:p>
+            <a:pPr lvl="1"/>
+            <a:r>
+              <a:rPr lang="zh-CN" altLang="en-US" dirty="0" smtClean="0"/>
+              <a:t>仅需模拟的硬件</a:t>
+            </a:r>
+            <a:endParaRPr lang="en-US" altLang="zh-CN" dirty="0" smtClean="0"/>
+          </a:p>
+          <a:p>
+            <a:pPr lvl="2"/>
+            <a:r>
+              <a:rPr lang="en-US" altLang="zh-CN" dirty="0" smtClean="0"/>
+              <a:t>Xilinx </a:t>
+            </a:r>
+            <a:r>
+              <a:rPr lang="en-US" altLang="zh-CN" dirty="0" err="1" smtClean="0"/>
+              <a:t>Uartlite</a:t>
+            </a:r>
+            <a:r>
+              <a:rPr lang="zh-CN" altLang="en-US" dirty="0" smtClean="0"/>
+              <a:t>或</a:t>
+            </a:r>
+            <a:r>
+              <a:rPr lang="en-US" altLang="zh-CN" dirty="0" smtClean="0"/>
+              <a:t>NS16550</a:t>
+            </a:r>
+          </a:p>
+          <a:p>
+            <a:pPr lvl="1"/>
+            <a:r>
+              <a:rPr lang="zh-CN" altLang="en-US" dirty="0" smtClean="0"/>
+              <a:t>内核所需的特性</a:t>
+            </a:r>
+            <a:endParaRPr lang="en-US" altLang="zh-CN" dirty="0" smtClean="0"/>
+          </a:p>
+          <a:p>
+            <a:pPr lvl="2"/>
+            <a:r>
+              <a:rPr lang="en-US" altLang="zh-CN" dirty="0"/>
+              <a:t>MIPS32</a:t>
+            </a:r>
+            <a:r>
+              <a:rPr lang="en-US" altLang="zh-CN" dirty="0" smtClean="0"/>
+              <a:t> release 1</a:t>
+            </a:r>
+            <a:r>
+              <a:rPr lang="zh-CN" altLang="en-US" dirty="0" smtClean="0"/>
+              <a:t>中完整的</a:t>
+            </a:r>
+            <a:r>
+              <a:rPr lang="en-US" altLang="zh-CN" dirty="0" smtClean="0"/>
+              <a:t>0</a:t>
+            </a:r>
+            <a:r>
+              <a:rPr lang="zh-CN" altLang="en-US" dirty="0" smtClean="0"/>
+              <a:t>号协处理器</a:t>
+            </a:r>
+            <a:endParaRPr lang="en-US" altLang="zh-CN" dirty="0" smtClean="0"/>
+          </a:p>
+          <a:p>
+            <a:pPr lvl="2"/>
+            <a:r>
+              <a:rPr lang="zh-CN" altLang="en-US" dirty="0" smtClean="0"/>
+              <a:t>完整的</a:t>
+            </a:r>
+            <a:r>
+              <a:rPr lang="en-US" altLang="zh-CN" dirty="0" smtClean="0"/>
+              <a:t>TLB</a:t>
+            </a:r>
+          </a:p>
+          <a:p>
+            <a:pPr lvl="1"/>
+            <a:r>
+              <a:rPr lang="zh-CN" altLang="en-US" dirty="0"/>
+              <a:t>待</a:t>
+            </a:r>
+            <a:r>
+              <a:rPr lang="zh-CN" altLang="en-US" dirty="0" smtClean="0"/>
+              <a:t>实现的特性</a:t>
+            </a:r>
+            <a:endParaRPr lang="en-US" altLang="zh-CN" dirty="0" smtClean="0"/>
+          </a:p>
+          <a:p>
+            <a:pPr lvl="2"/>
+            <a:r>
+              <a:rPr lang="zh-CN" altLang="en-US" dirty="0" smtClean="0"/>
+              <a:t>网卡模拟</a:t>
+            </a:r>
+            <a:r>
+              <a:rPr lang="en-US" altLang="zh-CN" dirty="0" smtClean="0"/>
+              <a:t>(</a:t>
+            </a:r>
+            <a:r>
+              <a:rPr lang="zh-CN" altLang="en-US" dirty="0" smtClean="0"/>
+              <a:t>大部分完成</a:t>
+            </a:r>
+            <a:r>
+              <a:rPr lang="en-US" altLang="zh-CN" dirty="0" smtClean="0"/>
+              <a:t>)</a:t>
+            </a:r>
+          </a:p>
+          <a:p>
+            <a:pPr lvl="2"/>
+            <a:r>
+              <a:rPr lang="en-US" altLang="zh-CN" dirty="0" smtClean="0"/>
+              <a:t>VGA</a:t>
+            </a:r>
+            <a:r>
+              <a:rPr lang="zh-CN" altLang="en-US" dirty="0" smtClean="0"/>
+              <a:t>模式支持</a:t>
+            </a:r>
+            <a:r>
+              <a:rPr lang="en-US" altLang="zh-CN" dirty="0" smtClean="0"/>
+              <a:t>(</a:t>
+            </a:r>
+            <a:r>
+              <a:rPr lang="zh-CN" altLang="en-US" dirty="0" smtClean="0"/>
+              <a:t>还需要额外在</a:t>
+            </a:r>
+            <a:r>
+              <a:rPr lang="en-US" altLang="zh-CN" dirty="0" err="1" smtClean="0"/>
+              <a:t>linux</a:t>
+            </a:r>
+            <a:r>
+              <a:rPr lang="zh-CN" altLang="en-US" dirty="0" smtClean="0"/>
+              <a:t>里添加驱动</a:t>
+            </a:r>
+            <a:r>
+              <a:rPr lang="en-US" altLang="zh-CN" dirty="0" smtClean="0"/>
+              <a:t>)</a:t>
+            </a:r>
+          </a:p>
+          <a:p>
+            <a:pPr lvl="2"/>
+            <a:r>
+              <a:rPr lang="en-US" altLang="zh-CN" dirty="0" smtClean="0"/>
+              <a:t>SPI+NAND(</a:t>
+            </a:r>
+            <a:r>
+              <a:rPr lang="zh-CN" altLang="en-US" dirty="0" smtClean="0"/>
+              <a:t>尚未开始</a:t>
+            </a:r>
+            <a:r>
+              <a:rPr lang="en-US" altLang="zh-CN" dirty="0" smtClean="0"/>
+              <a:t>)</a:t>
+            </a:r>
+          </a:p>
+          <a:p>
+            <a:r>
+              <a:rPr lang="en-US" altLang="zh-CN" dirty="0" smtClean="0"/>
+              <a:t>(</a:t>
+            </a:r>
+            <a:r>
+              <a:rPr lang="zh-CN" altLang="en-US" dirty="0">
+                <a:solidFill>
+                  <a:schemeClr val="bg2">
+                    <a:lumMod val="75000"/>
+                  </a:schemeClr>
+                </a:solidFill>
+              </a:rPr>
+              <a:t>演示</a:t>
+            </a:r>
+            <a:r>
+              <a:rPr lang="en-US" altLang="zh-CN" dirty="0" smtClean="0">
+                <a:solidFill>
+                  <a:schemeClr val="bg2">
+                    <a:lumMod val="75000"/>
+                  </a:schemeClr>
+                </a:solidFill>
+              </a:rPr>
+              <a:t>: </a:t>
+            </a:r>
+            <a:r>
+              <a:rPr lang="zh-CN" altLang="en-US" dirty="0">
+                <a:solidFill>
+                  <a:schemeClr val="bg2">
+                    <a:lumMod val="75000"/>
+                  </a:schemeClr>
+                </a:solidFill>
+              </a:rPr>
+              <a:t>运行</a:t>
+            </a:r>
+            <a:r>
+              <a:rPr lang="en-US" altLang="zh-CN" dirty="0" err="1">
+                <a:solidFill>
+                  <a:schemeClr val="bg2">
+                    <a:lumMod val="75000"/>
+                  </a:schemeClr>
+                </a:solidFill>
+              </a:rPr>
+              <a:t>linux</a:t>
+            </a:r>
+            <a:r>
+              <a:rPr lang="en-US" altLang="zh-CN" dirty="0" smtClean="0"/>
+              <a:t>)</a:t>
+            </a:r>
+          </a:p>
+          <a:p>
+            <a:pPr lvl="1"/>
+            <a:r>
+              <a:rPr lang="en-US" altLang="zh-CN" dirty="0" smtClean="0"/>
+              <a:t> </a:t>
+            </a:r>
+            <a:r>
+              <a:rPr lang="en-US" altLang="zh-CN" dirty="0"/>
+              <a:t>https://github.com/wierton/nemu-mips32</a:t>
+            </a:r>
+            <a:endParaRPr lang="zh-CN" altLang="en-US" dirty="0"/>
+          </a:p>
+        </p:txBody>
+      </p:sp>
+    </p:spTree>
+    <p:extLst>
+      <p:ext uri="{BB962C8B-B14F-4D97-AF65-F5344CB8AC3E}">
+        <p14:creationId xmlns:p14="http://schemas.microsoft.com/office/powerpoint/2010/main" val="297700601"/>
+      </p:ext>
+    </p:extLst>
+  </p:cSld>
+  <p:clrMapOvr>
+    <a:masterClrMapping/>
+  </p:clrMapOvr>
+</p:sld>
+</file>
+
+<file path=ppt/slides/slide17.xml><?xml version="1.0" encoding="utf-8"?>
 <p:sld xmlns:a="http://schemas.openxmlformats.org/drawingml/2006/main" xmlns:r="http://schemas.openxmlformats.org/officeDocument/2006/relationships" xmlns:p="http://schemas.openxmlformats.org/presentationml/2006/main">
   <p:cSld>
     <p:spTree>
